--- a/Fase 3/Evidencias Grupales/Presentación Final del proyecto.pptx
+++ b/Fase 3/Evidencias Grupales/Presentación Final del proyecto.pptx
@@ -254,7 +254,7 @@
           <a:p>
             <a:fld id="{B7268E1E-0E44-426D-905E-8AD9B19D2182}" type="datetimeFigureOut">
               <a:rPr lang="cs-CZ" smtClean="0"/>
-              <a:t>07.12.2025</a:t>
+              <a:t>08.12.2025</a:t>
             </a:fld>
             <a:endParaRPr lang="cs-CZ"/>
           </a:p>
@@ -616,8 +616,8 @@
         </p:nvSpPr>
         <p:spPr>
           <a:xfrm>
-            <a:off x="2857500" y="512763"/>
-            <a:ext cx="3429000" cy="2566987"/>
+            <a:off x="2290763" y="512763"/>
+            <a:ext cx="4562475" cy="2566987"/>
           </a:xfrm>
           <a:prstGeom prst="rect">
             <a:avLst/>
@@ -5101,7 +5101,7 @@
             <a:fld id="{1D8BD707-D9CF-40AE-B4C6-C98DA3205C09}" type="datetimeFigureOut">
               <a:rPr lang="en-US" smtClean="0"/>
               <a:pPr/>
-              <a:t>12/7/2025</a:t>
+              <a:t>12/8/2025</a:t>
             </a:fld>
             <a:endParaRPr lang="en-US"/>
           </a:p>
@@ -5266,7 +5266,7 @@
             <a:fld id="{1D8BD707-D9CF-40AE-B4C6-C98DA3205C09}" type="datetimeFigureOut">
               <a:rPr lang="en-US" smtClean="0"/>
               <a:pPr/>
-              <a:t>12/7/2025</a:t>
+              <a:t>12/8/2025</a:t>
             </a:fld>
             <a:endParaRPr lang="en-US"/>
           </a:p>
@@ -5441,7 +5441,7 @@
             <a:fld id="{1D8BD707-D9CF-40AE-B4C6-C98DA3205C09}" type="datetimeFigureOut">
               <a:rPr lang="en-US" smtClean="0"/>
               <a:pPr/>
-              <a:t>12/7/2025</a:t>
+              <a:t>12/8/2025</a:t>
             </a:fld>
             <a:endParaRPr lang="en-US"/>
           </a:p>
@@ -5606,7 +5606,7 @@
             <a:fld id="{1D8BD707-D9CF-40AE-B4C6-C98DA3205C09}" type="datetimeFigureOut">
               <a:rPr lang="en-US" smtClean="0"/>
               <a:pPr/>
-              <a:t>12/7/2025</a:t>
+              <a:t>12/8/2025</a:t>
             </a:fld>
             <a:endParaRPr lang="en-US"/>
           </a:p>
@@ -5848,7 +5848,7 @@
             <a:fld id="{1D8BD707-D9CF-40AE-B4C6-C98DA3205C09}" type="datetimeFigureOut">
               <a:rPr lang="en-US" smtClean="0"/>
               <a:pPr/>
-              <a:t>12/7/2025</a:t>
+              <a:t>12/8/2025</a:t>
             </a:fld>
             <a:endParaRPr lang="en-US"/>
           </a:p>
@@ -6130,7 +6130,7 @@
             <a:fld id="{1D8BD707-D9CF-40AE-B4C6-C98DA3205C09}" type="datetimeFigureOut">
               <a:rPr lang="en-US" smtClean="0"/>
               <a:pPr/>
-              <a:t>12/7/2025</a:t>
+              <a:t>12/8/2025</a:t>
             </a:fld>
             <a:endParaRPr lang="en-US"/>
           </a:p>
@@ -6546,7 +6546,7 @@
             <a:fld id="{1D8BD707-D9CF-40AE-B4C6-C98DA3205C09}" type="datetimeFigureOut">
               <a:rPr lang="en-US" smtClean="0"/>
               <a:pPr/>
-              <a:t>12/7/2025</a:t>
+              <a:t>12/8/2025</a:t>
             </a:fld>
             <a:endParaRPr lang="en-US"/>
           </a:p>
@@ -6660,7 +6660,7 @@
             <a:fld id="{1D8BD707-D9CF-40AE-B4C6-C98DA3205C09}" type="datetimeFigureOut">
               <a:rPr lang="en-US" smtClean="0"/>
               <a:pPr/>
-              <a:t>12/7/2025</a:t>
+              <a:t>12/8/2025</a:t>
             </a:fld>
             <a:endParaRPr lang="en-US"/>
           </a:p>
@@ -6752,7 +6752,7 @@
             <a:fld id="{1D8BD707-D9CF-40AE-B4C6-C98DA3205C09}" type="datetimeFigureOut">
               <a:rPr lang="en-US" smtClean="0"/>
               <a:pPr/>
-              <a:t>12/7/2025</a:t>
+              <a:t>12/8/2025</a:t>
             </a:fld>
             <a:endParaRPr lang="en-US"/>
           </a:p>
@@ -7024,7 +7024,7 @@
             <a:fld id="{1D8BD707-D9CF-40AE-B4C6-C98DA3205C09}" type="datetimeFigureOut">
               <a:rPr lang="en-US" smtClean="0"/>
               <a:pPr/>
-              <a:t>12/7/2025</a:t>
+              <a:t>12/8/2025</a:t>
             </a:fld>
             <a:endParaRPr lang="en-US"/>
           </a:p>
@@ -7273,7 +7273,7 @@
             <a:fld id="{1D8BD707-D9CF-40AE-B4C6-C98DA3205C09}" type="datetimeFigureOut">
               <a:rPr lang="en-US" smtClean="0"/>
               <a:pPr/>
-              <a:t>12/7/2025</a:t>
+              <a:t>12/8/2025</a:t>
             </a:fld>
             <a:endParaRPr lang="en-US"/>
           </a:p>
@@ -7481,7 +7481,7 @@
             <a:fld id="{1D8BD707-D9CF-40AE-B4C6-C98DA3205C09}" type="datetimeFigureOut">
               <a:rPr lang="en-US" smtClean="0"/>
               <a:pPr/>
-              <a:t>12/7/2025</a:t>
+              <a:t>12/8/2025</a:t>
             </a:fld>
             <a:endParaRPr lang="en-US"/>
           </a:p>
@@ -9857,7 +9857,7 @@
         <p:spPr>
           <a:xfrm>
             <a:off x="5140736" y="6399490"/>
-            <a:ext cx="8102157" cy="2098273"/>
+            <a:ext cx="8102157" cy="2190984"/>
           </a:xfrm>
           <a:prstGeom prst="rect">
             <a:avLst/>
@@ -9874,6 +9874,18 @@
                 <a:spcPts val="6661"/>
               </a:lnSpc>
             </a:pPr>
+            <a:r>
+              <a:rPr lang="en-US" sz="7484" b="1" dirty="0">
+                <a:solidFill>
+                  <a:srgbClr val="000000"/>
+                </a:solidFill>
+                <a:latin typeface="Monterchi Serif Bold"/>
+                <a:ea typeface="Monterchi Serif Bold"/>
+                <a:cs typeface="Monterchi Serif Bold"/>
+                <a:sym typeface="Monterchi Serif Bold"/>
+              </a:rPr>
+              <a:t>Presentación </a:t>
+            </a:r>
             <a:r>
               <a:rPr lang="en-US" sz="7484" b="1">
                 <a:solidFill>
@@ -9884,8 +9896,17 @@
                 <a:cs typeface="Monterchi Serif Bold"/>
                 <a:sym typeface="Monterchi Serif Bold"/>
               </a:rPr>
-              <a:t>Presentación Final Capstone Fase 2</a:t>
-            </a:r>
+              <a:t>Final Capstone</a:t>
+            </a:r>
+            <a:endParaRPr lang="en-US" sz="7484" b="1" dirty="0">
+              <a:solidFill>
+                <a:srgbClr val="000000"/>
+              </a:solidFill>
+              <a:latin typeface="Monterchi Serif Bold"/>
+              <a:ea typeface="Monterchi Serif Bold"/>
+              <a:cs typeface="Monterchi Serif Bold"/>
+              <a:sym typeface="Monterchi Serif Bold"/>
+            </a:endParaRPr>
           </a:p>
           <a:p>
             <a:pPr marL="0" lvl="0" indent="0" algn="ctr">
@@ -9897,7 +9918,7 @@
               </a:spcBef>
             </a:pPr>
             <a:r>
-              <a:rPr lang="en-US" sz="3784" b="1">
+              <a:rPr lang="en-US" sz="3784" b="1" dirty="0">
                 <a:solidFill>
                   <a:srgbClr val="000000"/>
                 </a:solidFill>
